--- a/Backup/Ploybout.pptx
+++ b/Backup/Ploybout.pptx
@@ -6223,7 +6223,7 @@
                   <a:cs typeface="Poppins Bold"/>
                   <a:sym typeface="Poppins Bold"/>
                 </a:rPr>
-                <a:t>Croissance des jouables “casuals”</a:t>
+                <a:t>Croissance des joueurs “casuals”</a:t>
               </a:r>
             </a:p>
           </p:txBody>
@@ -8041,7 +8041,7 @@
         </p:nvSpPr>
         <p:spPr>
           <a:xfrm flipH="false" flipV="false" rot="0">
-            <a:off x="5311305" y="3145170"/>
+            <a:off x="9593909" y="2557795"/>
             <a:ext cx="7665391" cy="6113130"/>
           </a:xfrm>
           <a:custGeom>
@@ -8056,10 +8056,10 @@
                   <a:pt x="0" y="0"/>
                 </a:moveTo>
                 <a:lnTo>
-                  <a:pt x="7665390" y="0"/>
+                  <a:pt x="7665391" y="0"/>
                 </a:lnTo>
                 <a:lnTo>
-                  <a:pt x="7665390" y="6113130"/>
+                  <a:pt x="7665391" y="6113130"/>
                 </a:lnTo>
                 <a:lnTo>
                   <a:pt x="0" y="6113130"/>
@@ -8079,9 +8079,302 @@
           </a:blipFill>
         </p:spPr>
       </p:sp>
+      <p:grpSp>
+        <p:nvGrpSpPr>
+          <p:cNvPr name="Group 3" id="3"/>
+          <p:cNvGrpSpPr/>
+          <p:nvPr/>
+        </p:nvGrpSpPr>
+        <p:grpSpPr>
+          <a:xfrm rot="0">
+            <a:off x="1028700" y="4240252"/>
+            <a:ext cx="5754227" cy="1806496"/>
+            <a:chOff x="0" y="0"/>
+            <a:chExt cx="7672303" cy="2408662"/>
+          </a:xfrm>
+        </p:grpSpPr>
+        <p:sp>
+          <p:nvSpPr>
+            <p:cNvPr name="Freeform 4" id="4"/>
+            <p:cNvSpPr/>
+            <p:nvPr/>
+          </p:nvSpPr>
+          <p:spPr>
+            <a:xfrm flipH="false" flipV="false" rot="0">
+              <a:off x="0" y="602165"/>
+              <a:ext cx="7635568" cy="602165"/>
+            </a:xfrm>
+            <a:custGeom>
+              <a:avLst/>
+              <a:gdLst/>
+              <a:ahLst/>
+              <a:cxnLst/>
+              <a:rect r="r" b="b" t="t" l="l"/>
+              <a:pathLst>
+                <a:path h="602165" w="7635568">
+                  <a:moveTo>
+                    <a:pt x="0" y="0"/>
+                  </a:moveTo>
+                  <a:lnTo>
+                    <a:pt x="7635568" y="0"/>
+                  </a:lnTo>
+                  <a:lnTo>
+                    <a:pt x="7635568" y="602166"/>
+                  </a:lnTo>
+                  <a:lnTo>
+                    <a:pt x="0" y="602166"/>
+                  </a:lnTo>
+                  <a:lnTo>
+                    <a:pt x="0" y="0"/>
+                  </a:lnTo>
+                  <a:close/>
+                </a:path>
+              </a:pathLst>
+            </a:custGeom>
+            <a:blipFill>
+              <a:blip r:embed="rId3"/>
+              <a:stretch>
+                <a:fillRect l="-310778" t="0" r="-51659" b="-24605"/>
+              </a:stretch>
+            </a:blipFill>
+          </p:spPr>
+        </p:sp>
+        <p:sp>
+          <p:nvSpPr>
+            <p:cNvPr name="Freeform 5" id="5"/>
+            <p:cNvSpPr/>
+            <p:nvPr/>
+          </p:nvSpPr>
+          <p:spPr>
+            <a:xfrm flipH="false" flipV="false" rot="0">
+              <a:off x="0" y="1204331"/>
+              <a:ext cx="6831235" cy="602165"/>
+            </a:xfrm>
+            <a:custGeom>
+              <a:avLst/>
+              <a:gdLst/>
+              <a:ahLst/>
+              <a:cxnLst/>
+              <a:rect r="r" b="b" t="t" l="l"/>
+              <a:pathLst>
+                <a:path h="602165" w="6831235">
+                  <a:moveTo>
+                    <a:pt x="0" y="0"/>
+                  </a:moveTo>
+                  <a:lnTo>
+                    <a:pt x="6831235" y="0"/>
+                  </a:lnTo>
+                  <a:lnTo>
+                    <a:pt x="6831235" y="602165"/>
+                  </a:lnTo>
+                  <a:lnTo>
+                    <a:pt x="0" y="602165"/>
+                  </a:lnTo>
+                  <a:lnTo>
+                    <a:pt x="0" y="0"/>
+                  </a:lnTo>
+                  <a:close/>
+                </a:path>
+              </a:pathLst>
+            </a:custGeom>
+            <a:blipFill>
+              <a:blip r:embed="rId3"/>
+              <a:stretch>
+                <a:fillRect l="-134502" t="0" r="-282383" b="-24605"/>
+              </a:stretch>
+            </a:blipFill>
+          </p:spPr>
+        </p:sp>
+        <p:sp>
+          <p:nvSpPr>
+            <p:cNvPr name="Freeform 6" id="6"/>
+            <p:cNvSpPr/>
+            <p:nvPr/>
+          </p:nvSpPr>
+          <p:spPr>
+            <a:xfrm flipH="false" flipV="false" rot="0">
+              <a:off x="0" y="0"/>
+              <a:ext cx="7635568" cy="602165"/>
+            </a:xfrm>
+            <a:custGeom>
+              <a:avLst/>
+              <a:gdLst/>
+              <a:ahLst/>
+              <a:cxnLst/>
+              <a:rect r="r" b="b" t="t" l="l"/>
+              <a:pathLst>
+                <a:path h="602165" w="7635568">
+                  <a:moveTo>
+                    <a:pt x="0" y="0"/>
+                  </a:moveTo>
+                  <a:lnTo>
+                    <a:pt x="7635568" y="0"/>
+                  </a:lnTo>
+                  <a:lnTo>
+                    <a:pt x="7635568" y="602165"/>
+                  </a:lnTo>
+                  <a:lnTo>
+                    <a:pt x="0" y="602165"/>
+                  </a:lnTo>
+                  <a:lnTo>
+                    <a:pt x="0" y="0"/>
+                  </a:lnTo>
+                  <a:close/>
+                </a:path>
+              </a:pathLst>
+            </a:custGeom>
+            <a:blipFill>
+              <a:blip r:embed="rId3"/>
+              <a:stretch>
+                <a:fillRect l="-210778" t="0" r="-151659" b="-24605"/>
+              </a:stretch>
+            </a:blipFill>
+          </p:spPr>
+        </p:sp>
+        <p:sp>
+          <p:nvSpPr>
+            <p:cNvPr name="Freeform 7" id="7"/>
+            <p:cNvSpPr/>
+            <p:nvPr/>
+          </p:nvSpPr>
+          <p:spPr>
+            <a:xfrm flipH="false" flipV="false" rot="0">
+              <a:off x="0" y="1806496"/>
+              <a:ext cx="7672303" cy="602165"/>
+            </a:xfrm>
+            <a:custGeom>
+              <a:avLst/>
+              <a:gdLst/>
+              <a:ahLst/>
+              <a:cxnLst/>
+              <a:rect r="r" b="b" t="t" l="l"/>
+              <a:pathLst>
+                <a:path h="602165" w="7672303">
+                  <a:moveTo>
+                    <a:pt x="0" y="0"/>
+                  </a:moveTo>
+                  <a:lnTo>
+                    <a:pt x="7672303" y="0"/>
+                  </a:lnTo>
+                  <a:lnTo>
+                    <a:pt x="7672303" y="602166"/>
+                  </a:lnTo>
+                  <a:lnTo>
+                    <a:pt x="0" y="602166"/>
+                  </a:lnTo>
+                  <a:lnTo>
+                    <a:pt x="0" y="0"/>
+                  </a:lnTo>
+                  <a:close/>
+                </a:path>
+              </a:pathLst>
+            </a:custGeom>
+            <a:blipFill>
+              <a:blip r:embed="rId3"/>
+              <a:stretch>
+                <a:fillRect l="-20236" t="0" r="-339986" b="-24605"/>
+              </a:stretch>
+            </a:blipFill>
+          </p:spPr>
+        </p:sp>
+      </p:grpSp>
+      <p:grpSp>
+        <p:nvGrpSpPr>
+          <p:cNvPr name="Group 8" id="8"/>
+          <p:cNvGrpSpPr/>
+          <p:nvPr/>
+        </p:nvGrpSpPr>
+        <p:grpSpPr>
+          <a:xfrm rot="0">
+            <a:off x="7605713" y="4374356"/>
+            <a:ext cx="1538287" cy="1538287"/>
+            <a:chOff x="0" y="0"/>
+            <a:chExt cx="812800" cy="812800"/>
+          </a:xfrm>
+        </p:grpSpPr>
+        <p:sp>
+          <p:nvSpPr>
+            <p:cNvPr name="Freeform 9" id="9"/>
+            <p:cNvSpPr/>
+            <p:nvPr/>
+          </p:nvSpPr>
+          <p:spPr>
+            <a:xfrm flipH="false" flipV="false" rot="0">
+              <a:off x="0" y="0"/>
+              <a:ext cx="812800" cy="812800"/>
+            </a:xfrm>
+            <a:custGeom>
+              <a:avLst/>
+              <a:gdLst/>
+              <a:ahLst/>
+              <a:cxnLst/>
+              <a:rect r="r" b="b" t="t" l="l"/>
+              <a:pathLst>
+                <a:path h="812800" w="812800">
+                  <a:moveTo>
+                    <a:pt x="812800" y="406400"/>
+                  </a:moveTo>
+                  <a:lnTo>
+                    <a:pt x="406400" y="0"/>
+                  </a:lnTo>
+                  <a:lnTo>
+                    <a:pt x="406400" y="203200"/>
+                  </a:lnTo>
+                  <a:lnTo>
+                    <a:pt x="0" y="203200"/>
+                  </a:lnTo>
+                  <a:lnTo>
+                    <a:pt x="0" y="609600"/>
+                  </a:lnTo>
+                  <a:lnTo>
+                    <a:pt x="406400" y="609600"/>
+                  </a:lnTo>
+                  <a:lnTo>
+                    <a:pt x="406400" y="812800"/>
+                  </a:lnTo>
+                  <a:lnTo>
+                    <a:pt x="812800" y="406400"/>
+                  </a:lnTo>
+                  <a:close/>
+                </a:path>
+              </a:pathLst>
+            </a:custGeom>
+            <a:solidFill>
+              <a:srgbClr val="E8C170"/>
+            </a:solidFill>
+          </p:spPr>
+        </p:sp>
+        <p:sp>
+          <p:nvSpPr>
+            <p:cNvPr name="TextBox 10" id="10"/>
+            <p:cNvSpPr txBox="true"/>
+            <p:nvPr/>
+          </p:nvSpPr>
+          <p:spPr>
+            <a:xfrm>
+              <a:off x="0" y="136525"/>
+              <a:ext cx="711200" cy="473075"/>
+            </a:xfrm>
+            <a:prstGeom prst="rect">
+              <a:avLst/>
+            </a:prstGeom>
+          </p:spPr>
+          <p:txBody>
+            <a:bodyPr anchor="ctr" rtlCol="false" tIns="50800" lIns="50800" bIns="50800" rIns="50800"/>
+            <a:lstStyle/>
+            <a:p>
+              <a:pPr algn="ctr">
+                <a:lnSpc>
+                  <a:spcPts val="3311"/>
+                </a:lnSpc>
+              </a:pPr>
+            </a:p>
+          </p:txBody>
+        </p:sp>
+      </p:grpSp>
       <p:sp>
         <p:nvSpPr>
-          <p:cNvPr name="TextBox 3" id="3"/>
+          <p:cNvPr name="TextBox 11" id="11"/>
           <p:cNvSpPr txBox="true"/>
           <p:nvPr/>
         </p:nvSpPr>
@@ -8125,7 +8418,7 @@
       </p:sp>
       <p:sp>
         <p:nvSpPr>
-          <p:cNvPr name="TextBox 4" id="4"/>
+          <p:cNvPr name="TextBox 12" id="12"/>
           <p:cNvSpPr txBox="true"/>
           <p:nvPr/>
         </p:nvSpPr>
@@ -8371,7 +8664,7 @@
         </p:nvGrpSpPr>
         <p:grpSpPr>
           <a:xfrm rot="0">
-            <a:off x="6909752" y="1028700"/>
+            <a:off x="7091464" y="1028700"/>
             <a:ext cx="7215946" cy="8229600"/>
             <a:chOff x="0" y="0"/>
             <a:chExt cx="9621262" cy="10972800"/>
@@ -10056,10 +10349,10 @@
         </p:nvGrpSpPr>
         <p:grpSpPr>
           <a:xfrm rot="0">
-            <a:off x="15278745" y="2509965"/>
-            <a:ext cx="1980555" cy="5271135"/>
+            <a:off x="15723245" y="2507932"/>
+            <a:ext cx="1536055" cy="5271135"/>
             <a:chOff x="0" y="0"/>
-            <a:chExt cx="2640740" cy="7028180"/>
+            <a:chExt cx="2048073" cy="7028180"/>
           </a:xfrm>
         </p:grpSpPr>
         <p:sp>
@@ -10070,8 +10363,8 @@
           </p:nvSpPr>
           <p:spPr>
             <a:xfrm rot="0">
-              <a:off x="44549" y="-66675"/>
-              <a:ext cx="2467107" cy="552323"/>
+              <a:off x="0" y="-66675"/>
+              <a:ext cx="1913409" cy="552323"/>
             </a:xfrm>
             <a:prstGeom prst="rect">
               <a:avLst/>
@@ -10114,8 +10407,8 @@
           </p:nvSpPr>
           <p:spPr>
             <a:xfrm rot="0">
-              <a:off x="44549" y="660273"/>
-              <a:ext cx="2467107" cy="552323"/>
+              <a:off x="0" y="660273"/>
+              <a:ext cx="1913409" cy="552323"/>
             </a:xfrm>
             <a:prstGeom prst="rect">
               <a:avLst/>
@@ -10159,7 +10452,7 @@
           <p:spPr>
             <a:xfrm rot="0">
               <a:off x="0" y="1387221"/>
-              <a:ext cx="2536560" cy="552323"/>
+              <a:ext cx="1967275" cy="552323"/>
             </a:xfrm>
             <a:prstGeom prst="rect">
               <a:avLst/>
@@ -10202,8 +10495,8 @@
           </p:nvSpPr>
           <p:spPr>
             <a:xfrm rot="0">
-              <a:off x="9575" y="2114169"/>
-              <a:ext cx="2537057" cy="552323"/>
+              <a:off x="7426" y="2114169"/>
+              <a:ext cx="1967660" cy="552323"/>
             </a:xfrm>
             <a:prstGeom prst="rect">
               <a:avLst/>
@@ -10246,8 +10539,8 @@
           </p:nvSpPr>
           <p:spPr>
             <a:xfrm rot="0">
-              <a:off x="37207" y="2841117"/>
-              <a:ext cx="2603533" cy="552323"/>
+              <a:off x="28857" y="2841117"/>
+              <a:ext cx="2019217" cy="552323"/>
             </a:xfrm>
             <a:prstGeom prst="rect">
               <a:avLst/>
@@ -10302,8 +10595,8 @@
           </p:nvSpPr>
           <p:spPr>
             <a:xfrm rot="0">
-              <a:off x="42962" y="3568065"/>
-              <a:ext cx="2597778" cy="552323"/>
+              <a:off x="33320" y="3568065"/>
+              <a:ext cx="2014754" cy="552323"/>
             </a:xfrm>
             <a:prstGeom prst="rect">
               <a:avLst/>
@@ -10358,8 +10651,8 @@
           </p:nvSpPr>
           <p:spPr>
             <a:xfrm rot="0">
-              <a:off x="44549" y="4295013"/>
-              <a:ext cx="2596191" cy="552323"/>
+              <a:off x="34551" y="4295013"/>
+              <a:ext cx="2013522" cy="552323"/>
             </a:xfrm>
             <a:prstGeom prst="rect">
               <a:avLst/>
@@ -10415,7 +10708,7 @@
           <p:spPr>
             <a:xfrm rot="0">
               <a:off x="0" y="5021961"/>
-              <a:ext cx="2640740" cy="552323"/>
+              <a:ext cx="2048073" cy="552323"/>
             </a:xfrm>
             <a:prstGeom prst="rect">
               <a:avLst/>
@@ -10470,8 +10763,8 @@
           </p:nvSpPr>
           <p:spPr>
             <a:xfrm rot="0">
-              <a:off x="37207" y="5748909"/>
-              <a:ext cx="2603533" cy="552323"/>
+              <a:off x="0" y="5748909"/>
+              <a:ext cx="2019217" cy="552323"/>
             </a:xfrm>
             <a:prstGeom prst="rect">
               <a:avLst/>
@@ -10526,8 +10819,8 @@
           </p:nvSpPr>
           <p:spPr>
             <a:xfrm rot="0">
-              <a:off x="44549" y="6475857"/>
-              <a:ext cx="2596191" cy="552323"/>
+              <a:off x="34551" y="6475857"/>
+              <a:ext cx="2013522" cy="552323"/>
             </a:xfrm>
             <a:prstGeom prst="rect">
               <a:avLst/>
@@ -10557,7 +10850,7 @@
                   <a:cs typeface="Poppins Bold"/>
                   <a:sym typeface="Poppins Bold"/>
                 </a:rPr>
-                <a:t>09</a:t>
+                <a:t>10</a:t>
               </a:r>
               <a:r>
                 <a:rPr lang="en-US" b="true" sz="2400">
@@ -18815,7 +19108,7 @@
         </p:nvSpPr>
         <p:spPr>
           <a:xfrm rot="0">
-            <a:off x="14279761" y="3561207"/>
+            <a:off x="14279761" y="3710432"/>
             <a:ext cx="758428" cy="1091946"/>
           </a:xfrm>
           <a:prstGeom prst="rect">

--- a/Backup/Ploybout.pptx
+++ b/Backup/Ploybout.pptx
@@ -5076,7 +5076,7 @@
               </a:pathLst>
             </a:custGeom>
             <a:solidFill>
-              <a:srgbClr val="E8C170"/>
+              <a:srgbClr val="52E48C"/>
             </a:solidFill>
           </p:spPr>
         </p:sp>
@@ -5245,7 +5245,7 @@
               </a:pathLst>
             </a:custGeom>
             <a:solidFill>
-              <a:srgbClr val="E8C170"/>
+              <a:srgbClr val="E16464"/>
             </a:solidFill>
           </p:spPr>
         </p:sp>
@@ -5328,10 +5328,10 @@
             </a:pathLst>
           </a:custGeom>
           <a:blipFill>
-            <a:blip r:embed="rId2">
+            <a:blip r:embed="rId4">
               <a:extLst>
                 <a:ext uri="{96DAC541-7B7A-43D3-8B79-37D633B846F1}">
-                  <asvg:svgBlip xmlns:asvg="http://schemas.microsoft.com/office/drawing/2016/SVG/main" r:embed="rId3"/>
+                  <asvg:svgBlip xmlns:asvg="http://schemas.microsoft.com/office/drawing/2016/SVG/main" r:embed="rId5"/>
                 </a:ext>
               </a:extLst>
             </a:blip>
@@ -5428,7 +5428,7 @@
                 </a:pathLst>
               </a:custGeom>
               <a:solidFill>
-                <a:srgbClr val="E8C170"/>
+                <a:srgbClr val="3C5E8B"/>
               </a:solidFill>
             </p:spPr>
           </p:sp>
@@ -5511,10 +5511,10 @@
               </a:pathLst>
             </a:custGeom>
             <a:blipFill>
-              <a:blip r:embed="rId4">
+              <a:blip r:embed="rId6">
                 <a:extLst>
                   <a:ext uri="{96DAC541-7B7A-43D3-8B79-37D633B846F1}">
-                    <asvg:svgBlip xmlns:asvg="http://schemas.microsoft.com/office/drawing/2016/SVG/main" r:embed="rId5"/>
+                    <asvg:svgBlip xmlns:asvg="http://schemas.microsoft.com/office/drawing/2016/SVG/main" r:embed="rId7"/>
                   </a:ext>
                 </a:extLst>
               </a:blip>
@@ -5564,10 +5564,10 @@
             </a:pathLst>
           </a:custGeom>
           <a:blipFill>
-            <a:blip r:embed="rId6">
+            <a:blip r:embed="rId8">
               <a:extLst>
                 <a:ext uri="{96DAC541-7B7A-43D3-8B79-37D633B846F1}">
-                  <asvg:svgBlip xmlns:asvg="http://schemas.microsoft.com/office/drawing/2016/SVG/main" r:embed="rId7"/>
+                  <asvg:svgBlip xmlns:asvg="http://schemas.microsoft.com/office/drawing/2016/SVG/main" r:embed="rId9"/>
                 </a:ext>
               </a:extLst>
             </a:blip>
@@ -8101,8 +8101,8 @@
           </p:nvSpPr>
           <p:spPr>
             <a:xfrm flipH="false" flipV="false" rot="0">
-              <a:off x="0" y="602165"/>
-              <a:ext cx="7635568" cy="602165"/>
+              <a:off x="0" y="1204331"/>
+              <a:ext cx="7564372" cy="602165"/>
             </a:xfrm>
             <a:custGeom>
               <a:avLst/>
@@ -8111,15 +8111,61 @@
               <a:cxnLst/>
               <a:rect r="r" b="b" t="t" l="l"/>
               <a:pathLst>
-                <a:path h="602165" w="7635568">
+                <a:path h="602165" w="7564372">
                   <a:moveTo>
                     <a:pt x="0" y="0"/>
                   </a:moveTo>
                   <a:lnTo>
-                    <a:pt x="7635568" y="0"/>
+                    <a:pt x="7564372" y="0"/>
                   </a:lnTo>
                   <a:lnTo>
-                    <a:pt x="7635568" y="602166"/>
+                    <a:pt x="7564372" y="602165"/>
+                  </a:lnTo>
+                  <a:lnTo>
+                    <a:pt x="0" y="602165"/>
+                  </a:lnTo>
+                  <a:lnTo>
+                    <a:pt x="0" y="0"/>
+                  </a:lnTo>
+                  <a:close/>
+                </a:path>
+              </a:pathLst>
+            </a:custGeom>
+            <a:blipFill>
+              <a:blip r:embed="rId3"/>
+              <a:stretch>
+                <a:fillRect l="-314644" t="0" r="-52145" b="-24605"/>
+              </a:stretch>
+            </a:blipFill>
+          </p:spPr>
+        </p:sp>
+        <p:sp>
+          <p:nvSpPr>
+            <p:cNvPr name="Freeform 5" id="5"/>
+            <p:cNvSpPr/>
+            <p:nvPr/>
+          </p:nvSpPr>
+          <p:spPr>
+            <a:xfrm flipH="false" flipV="false" rot="0">
+              <a:off x="0" y="602165"/>
+              <a:ext cx="6880182" cy="602165"/>
+            </a:xfrm>
+            <a:custGeom>
+              <a:avLst/>
+              <a:gdLst/>
+              <a:ahLst/>
+              <a:cxnLst/>
+              <a:rect r="r" b="b" t="t" l="l"/>
+              <a:pathLst>
+                <a:path h="602165" w="6880182">
+                  <a:moveTo>
+                    <a:pt x="0" y="0"/>
+                  </a:moveTo>
+                  <a:lnTo>
+                    <a:pt x="6880182" y="0"/>
+                  </a:lnTo>
+                  <a:lnTo>
+                    <a:pt x="6880182" y="602166"/>
                   </a:lnTo>
                   <a:lnTo>
                     <a:pt x="0" y="602166"/>
@@ -8134,21 +8180,21 @@
             <a:blipFill>
               <a:blip r:embed="rId3"/>
               <a:stretch>
-                <a:fillRect l="-310778" t="0" r="-51659" b="-24605"/>
+                <a:fillRect l="-133998" t="0" r="-279210" b="-24605"/>
               </a:stretch>
             </a:blipFill>
           </p:spPr>
         </p:sp>
         <p:sp>
           <p:nvSpPr>
-            <p:cNvPr name="Freeform 5" id="5"/>
+            <p:cNvPr name="Freeform 6" id="6"/>
             <p:cNvSpPr/>
             <p:nvPr/>
           </p:nvSpPr>
           <p:spPr>
             <a:xfrm flipH="false" flipV="false" rot="0">
-              <a:off x="0" y="1204331"/>
-              <a:ext cx="6831235" cy="602165"/>
+              <a:off x="0" y="0"/>
+              <a:ext cx="6880182" cy="602165"/>
             </a:xfrm>
             <a:custGeom>
               <a:avLst/>
@@ -8157,15 +8203,15 @@
               <a:cxnLst/>
               <a:rect r="r" b="b" t="t" l="l"/>
               <a:pathLst>
-                <a:path h="602165" w="6831235">
+                <a:path h="602165" w="6880182">
                   <a:moveTo>
                     <a:pt x="0" y="0"/>
                   </a:moveTo>
                   <a:lnTo>
-                    <a:pt x="6831235" y="0"/>
+                    <a:pt x="6880182" y="0"/>
                   </a:lnTo>
                   <a:lnTo>
-                    <a:pt x="6831235" y="602165"/>
+                    <a:pt x="6880182" y="602165"/>
                   </a:lnTo>
                   <a:lnTo>
                     <a:pt x="0" y="602165"/>
@@ -8180,53 +8226,7 @@
             <a:blipFill>
               <a:blip r:embed="rId3"/>
               <a:stretch>
-                <a:fillRect l="-134502" t="0" r="-282383" b="-24605"/>
-              </a:stretch>
-            </a:blipFill>
-          </p:spPr>
-        </p:sp>
-        <p:sp>
-          <p:nvSpPr>
-            <p:cNvPr name="Freeform 6" id="6"/>
-            <p:cNvSpPr/>
-            <p:nvPr/>
-          </p:nvSpPr>
-          <p:spPr>
-            <a:xfrm flipH="false" flipV="false" rot="0">
-              <a:off x="0" y="0"/>
-              <a:ext cx="7635568" cy="602165"/>
-            </a:xfrm>
-            <a:custGeom>
-              <a:avLst/>
-              <a:gdLst/>
-              <a:ahLst/>
-              <a:cxnLst/>
-              <a:rect r="r" b="b" t="t" l="l"/>
-              <a:pathLst>
-                <a:path h="602165" w="7635568">
-                  <a:moveTo>
-                    <a:pt x="0" y="0"/>
-                  </a:moveTo>
-                  <a:lnTo>
-                    <a:pt x="7635568" y="0"/>
-                  </a:lnTo>
-                  <a:lnTo>
-                    <a:pt x="7635568" y="602165"/>
-                  </a:lnTo>
-                  <a:lnTo>
-                    <a:pt x="0" y="602165"/>
-                  </a:lnTo>
-                  <a:lnTo>
-                    <a:pt x="0" y="0"/>
-                  </a:lnTo>
-                  <a:close/>
-                </a:path>
-              </a:pathLst>
-            </a:custGeom>
-            <a:blipFill>
-              <a:blip r:embed="rId3"/>
-              <a:stretch>
-                <a:fillRect l="-210778" t="0" r="-151659" b="-24605"/>
+                <a:fillRect l="-233920" t="0" r="-179289" b="-24605"/>
               </a:stretch>
             </a:blipFill>
           </p:spPr>

--- a/Backup/Ploybout.pptx
+++ b/Backup/Ploybout.pptx
@@ -8788,7 +8788,7 @@
                   <a:cs typeface="Poppins Bold"/>
                   <a:sym typeface="Poppins Bold"/>
                 </a:rPr>
-                <a:t>Budget</a:t>
+                <a:t>Planning</a:t>
               </a:r>
             </a:p>
           </p:txBody>
@@ -9289,7 +9289,7 @@
                   <a:cs typeface="Poppins Bold"/>
                   <a:sym typeface="Poppins Bold"/>
                 </a:rPr>
-                <a:t>Planning</a:t>
+                <a:t>Budget</a:t>
               </a:r>
             </a:p>
           </p:txBody>
@@ -10750,7 +10750,7 @@
                   <a:cs typeface="Poppins Bold"/>
                   <a:sym typeface="Poppins Bold"/>
                 </a:rPr>
-                <a:t>: 33-35</a:t>
+                <a:t>: 33-34</a:t>
               </a:r>
             </a:p>
           </p:txBody>
@@ -10806,7 +10806,7 @@
                   <a:cs typeface="Poppins Bold"/>
                   <a:sym typeface="Poppins Bold"/>
                 </a:rPr>
-                <a:t>: 36-37</a:t>
+                <a:t>: 35-37</a:t>
               </a:r>
             </a:p>
           </p:txBody>
@@ -16357,6 +16357,668 @@
         </p:nvGrpSpPr>
         <p:grpSpPr>
           <a:xfrm rot="0">
+            <a:off x="1028700" y="1028700"/>
+            <a:ext cx="7485151" cy="1943100"/>
+            <a:chOff x="0" y="0"/>
+            <a:chExt cx="9980201" cy="2590800"/>
+          </a:xfrm>
+        </p:grpSpPr>
+        <p:sp>
+          <p:nvSpPr>
+            <p:cNvPr name="TextBox 3" id="3"/>
+            <p:cNvSpPr txBox="true"/>
+            <p:nvPr/>
+          </p:nvSpPr>
+          <p:spPr>
+            <a:xfrm rot="0">
+              <a:off x="3224749" y="568325"/>
+              <a:ext cx="6755452" cy="1362075"/>
+            </a:xfrm>
+            <a:prstGeom prst="rect">
+              <a:avLst/>
+            </a:prstGeom>
+          </p:spPr>
+          <p:txBody>
+            <a:bodyPr anchor="t" rtlCol="false" tIns="0" lIns="0" bIns="0" rIns="0">
+              <a:spAutoFit/>
+            </a:bodyPr>
+            <a:lstStyle/>
+            <a:p>
+              <a:pPr algn="l" marL="0" indent="0" lvl="0">
+                <a:lnSpc>
+                  <a:spcPts val="7711"/>
+                </a:lnSpc>
+                <a:spcBef>
+                  <a:spcPct val="0"/>
+                </a:spcBef>
+              </a:pPr>
+              <a:r>
+                <a:rPr lang="en-US" b="true" sz="6426">
+                  <a:solidFill>
+                    <a:srgbClr val="E8C170"/>
+                  </a:solidFill>
+                  <a:latin typeface="Poppins Bold"/>
+                  <a:ea typeface="Poppins Bold"/>
+                  <a:cs typeface="Poppins Bold"/>
+                  <a:sym typeface="Poppins Bold"/>
+                </a:rPr>
+                <a:t>PLANNING</a:t>
+              </a:r>
+            </a:p>
+          </p:txBody>
+        </p:sp>
+        <p:grpSp>
+          <p:nvGrpSpPr>
+            <p:cNvPr name="Group 4" id="4"/>
+            <p:cNvGrpSpPr/>
+            <p:nvPr/>
+          </p:nvGrpSpPr>
+          <p:grpSpPr>
+            <a:xfrm rot="5400000">
+              <a:off x="1288181" y="1187632"/>
+              <a:ext cx="2590800" cy="215536"/>
+              <a:chOff x="0" y="0"/>
+              <a:chExt cx="511763" cy="42575"/>
+            </a:xfrm>
+          </p:grpSpPr>
+          <p:sp>
+            <p:nvSpPr>
+              <p:cNvPr name="Freeform 5" id="5"/>
+              <p:cNvSpPr/>
+              <p:nvPr/>
+            </p:nvSpPr>
+            <p:spPr>
+              <a:xfrm flipH="false" flipV="false" rot="0">
+                <a:off x="0" y="0"/>
+                <a:ext cx="511763" cy="42575"/>
+              </a:xfrm>
+              <a:custGeom>
+                <a:avLst/>
+                <a:gdLst/>
+                <a:ahLst/>
+                <a:cxnLst/>
+                <a:rect r="r" b="b" t="t" l="l"/>
+                <a:pathLst>
+                  <a:path h="42575" w="511763">
+                    <a:moveTo>
+                      <a:pt x="0" y="0"/>
+                    </a:moveTo>
+                    <a:lnTo>
+                      <a:pt x="511763" y="0"/>
+                    </a:lnTo>
+                    <a:lnTo>
+                      <a:pt x="511763" y="42575"/>
+                    </a:lnTo>
+                    <a:lnTo>
+                      <a:pt x="0" y="42575"/>
+                    </a:lnTo>
+                    <a:close/>
+                  </a:path>
+                </a:pathLst>
+              </a:custGeom>
+              <a:solidFill>
+                <a:srgbClr val="3C5E8B"/>
+              </a:solidFill>
+            </p:spPr>
+          </p:sp>
+          <p:sp>
+            <p:nvSpPr>
+              <p:cNvPr name="TextBox 6" id="6"/>
+              <p:cNvSpPr txBox="true"/>
+              <p:nvPr/>
+            </p:nvSpPr>
+            <p:spPr>
+              <a:xfrm>
+                <a:off x="0" y="-47625"/>
+                <a:ext cx="511763" cy="90200"/>
+              </a:xfrm>
+              <a:prstGeom prst="rect">
+                <a:avLst/>
+              </a:prstGeom>
+            </p:spPr>
+            <p:txBody>
+              <a:bodyPr anchor="ctr" rtlCol="false" tIns="50800" lIns="50800" bIns="50800" rIns="50800"/>
+              <a:lstStyle/>
+              <a:p>
+                <a:pPr algn="ctr">
+                  <a:lnSpc>
+                    <a:spcPts val="2605"/>
+                  </a:lnSpc>
+                </a:pPr>
+              </a:p>
+            </p:txBody>
+          </p:sp>
+        </p:grpSp>
+        <p:grpSp>
+          <p:nvGrpSpPr>
+            <p:cNvPr name="Group 7" id="7"/>
+            <p:cNvGrpSpPr/>
+            <p:nvPr/>
+          </p:nvGrpSpPr>
+          <p:grpSpPr>
+            <a:xfrm rot="5400000">
+              <a:off x="168126" y="405578"/>
+              <a:ext cx="1779644" cy="1779644"/>
+              <a:chOff x="0" y="0"/>
+              <a:chExt cx="812800" cy="812800"/>
+            </a:xfrm>
+          </p:grpSpPr>
+          <p:sp>
+            <p:nvSpPr>
+              <p:cNvPr name="Freeform 8" id="8"/>
+              <p:cNvSpPr/>
+              <p:nvPr/>
+            </p:nvSpPr>
+            <p:spPr>
+              <a:xfrm flipH="false" flipV="false" rot="0">
+                <a:off x="0" y="0"/>
+                <a:ext cx="812800" cy="812800"/>
+              </a:xfrm>
+              <a:custGeom>
+                <a:avLst/>
+                <a:gdLst/>
+                <a:ahLst/>
+                <a:cxnLst/>
+                <a:rect r="r" b="b" t="t" l="l"/>
+                <a:pathLst>
+                  <a:path h="812800" w="812800">
+                    <a:moveTo>
+                      <a:pt x="406400" y="0"/>
+                    </a:moveTo>
+                    <a:cubicBezTo>
+                      <a:pt x="181951" y="0"/>
+                      <a:pt x="0" y="181951"/>
+                      <a:pt x="0" y="406400"/>
+                    </a:cubicBezTo>
+                    <a:cubicBezTo>
+                      <a:pt x="0" y="630849"/>
+                      <a:pt x="181951" y="812800"/>
+                      <a:pt x="406400" y="812800"/>
+                    </a:cubicBezTo>
+                    <a:cubicBezTo>
+                      <a:pt x="630849" y="812800"/>
+                      <a:pt x="812800" y="630849"/>
+                      <a:pt x="812800" y="406400"/>
+                    </a:cubicBezTo>
+                    <a:cubicBezTo>
+                      <a:pt x="812800" y="181951"/>
+                      <a:pt x="630849" y="0"/>
+                      <a:pt x="406400" y="0"/>
+                    </a:cubicBezTo>
+                    <a:close/>
+                  </a:path>
+                </a:pathLst>
+              </a:custGeom>
+              <a:gradFill rotWithShape="true">
+                <a:gsLst>
+                  <a:gs pos="0">
+                    <a:srgbClr val="3C5E8B">
+                      <a:alpha val="100000"/>
+                    </a:srgbClr>
+                  </a:gs>
+                  <a:gs pos="100000">
+                    <a:srgbClr val="1E1D39">
+                      <a:alpha val="100000"/>
+                    </a:srgbClr>
+                  </a:gs>
+                </a:gsLst>
+                <a:lin ang="0"/>
+              </a:gradFill>
+              <a:ln w="12700" cap="sq">
+                <a:solidFill>
+                  <a:srgbClr val="000000"/>
+                </a:solidFill>
+                <a:prstDash val="solid"/>
+                <a:miter/>
+              </a:ln>
+            </p:spPr>
+          </p:sp>
+        </p:grpSp>
+        <p:sp>
+          <p:nvSpPr>
+            <p:cNvPr name="TextBox 9" id="9"/>
+            <p:cNvSpPr txBox="true"/>
+            <p:nvPr/>
+          </p:nvSpPr>
+          <p:spPr>
+            <a:xfrm rot="0">
+              <a:off x="0" y="599135"/>
+              <a:ext cx="2115896" cy="1245601"/>
+            </a:xfrm>
+            <a:prstGeom prst="rect">
+              <a:avLst/>
+            </a:prstGeom>
+          </p:spPr>
+          <p:txBody>
+            <a:bodyPr anchor="t" rtlCol="false" tIns="0" lIns="0" bIns="0" rIns="0">
+              <a:spAutoFit/>
+            </a:bodyPr>
+            <a:lstStyle/>
+            <a:p>
+              <a:pPr algn="ctr">
+                <a:lnSpc>
+                  <a:spcPts val="7429"/>
+                </a:lnSpc>
+              </a:pPr>
+              <a:r>
+                <a:rPr lang="en-US" sz="5383" b="true">
+                  <a:solidFill>
+                    <a:srgbClr val="E4E6E2"/>
+                  </a:solidFill>
+                  <a:latin typeface="Poppins Bold"/>
+                  <a:ea typeface="Poppins Bold"/>
+                  <a:cs typeface="Poppins Bold"/>
+                  <a:sym typeface="Poppins Bold"/>
+                </a:rPr>
+                <a:t>08</a:t>
+              </a:r>
+            </a:p>
+          </p:txBody>
+        </p:sp>
+      </p:grpSp>
+      <p:sp>
+        <p:nvSpPr>
+          <p:cNvPr name="TextBox 10" id="10"/>
+          <p:cNvSpPr txBox="true"/>
+          <p:nvPr/>
+        </p:nvSpPr>
+        <p:spPr>
+          <a:xfrm rot="0">
+            <a:off x="2819419" y="3606800"/>
+            <a:ext cx="6875711" cy="1123177"/>
+          </a:xfrm>
+          <a:prstGeom prst="rect">
+            <a:avLst/>
+          </a:prstGeom>
+        </p:spPr>
+        <p:txBody>
+          <a:bodyPr anchor="t" rtlCol="false" tIns="0" lIns="0" bIns="0" rIns="0">
+            <a:spAutoFit/>
+          </a:bodyPr>
+          <a:lstStyle/>
+          <a:p>
+            <a:pPr algn="ctr">
+              <a:lnSpc>
+                <a:spcPts val="8671"/>
+              </a:lnSpc>
+              <a:spcBef>
+                <a:spcPct val="0"/>
+              </a:spcBef>
+            </a:pPr>
+            <a:r>
+              <a:rPr lang="en-US" b="true" sz="6283">
+                <a:solidFill>
+                  <a:srgbClr val="FFFFFF"/>
+                </a:solidFill>
+                <a:latin typeface="Poppins Bold"/>
+                <a:ea typeface="Poppins Bold"/>
+                <a:cs typeface="Poppins Bold"/>
+                <a:sym typeface="Poppins Bold"/>
+              </a:rPr>
+              <a:t>Six phases clefs :</a:t>
+            </a:r>
+          </a:p>
+        </p:txBody>
+      </p:sp>
+      <p:sp>
+        <p:nvSpPr>
+          <p:cNvPr name="TextBox 11" id="11"/>
+          <p:cNvSpPr txBox="true"/>
+          <p:nvPr/>
+        </p:nvSpPr>
+        <p:spPr>
+          <a:xfrm rot="0">
+            <a:off x="9695129" y="4631769"/>
+            <a:ext cx="7564171" cy="4626531"/>
+          </a:xfrm>
+          <a:prstGeom prst="rect">
+            <a:avLst/>
+          </a:prstGeom>
+        </p:spPr>
+        <p:txBody>
+          <a:bodyPr anchor="t" rtlCol="false" tIns="0" lIns="0" bIns="0" rIns="0">
+            <a:spAutoFit/>
+          </a:bodyPr>
+          <a:lstStyle/>
+          <a:p>
+            <a:pPr algn="just" marL="948955" indent="-474478" lvl="1">
+              <a:lnSpc>
+                <a:spcPts val="6065"/>
+              </a:lnSpc>
+              <a:buFont typeface="Arial"/>
+              <a:buChar char="•"/>
+            </a:pPr>
+            <a:r>
+              <a:rPr lang="en-US" b="true" sz="4395">
+                <a:solidFill>
+                  <a:srgbClr val="FFFFFF"/>
+                </a:solidFill>
+                <a:latin typeface="Almarai Bold"/>
+                <a:ea typeface="Almarai Bold"/>
+                <a:cs typeface="Almarai Bold"/>
+                <a:sym typeface="Almarai Bold"/>
+              </a:rPr>
+              <a:t>Phase de Préparation</a:t>
+            </a:r>
+          </a:p>
+          <a:p>
+            <a:pPr algn="just" marL="948955" indent="-474478" lvl="1">
+              <a:lnSpc>
+                <a:spcPts val="6065"/>
+              </a:lnSpc>
+              <a:buFont typeface="Arial"/>
+              <a:buChar char="•"/>
+            </a:pPr>
+            <a:r>
+              <a:rPr lang="en-US" b="true" sz="4395">
+                <a:solidFill>
+                  <a:srgbClr val="FFFFFF"/>
+                </a:solidFill>
+                <a:latin typeface="Almarai Bold"/>
+                <a:ea typeface="Almarai Bold"/>
+                <a:cs typeface="Almarai Bold"/>
+                <a:sym typeface="Almarai Bold"/>
+              </a:rPr>
+              <a:t>Phase de Design</a:t>
+            </a:r>
+          </a:p>
+          <a:p>
+            <a:pPr algn="just" marL="948955" indent="-474478" lvl="1">
+              <a:lnSpc>
+                <a:spcPts val="6065"/>
+              </a:lnSpc>
+              <a:buFont typeface="Arial"/>
+              <a:buChar char="•"/>
+            </a:pPr>
+            <a:r>
+              <a:rPr lang="en-US" b="true" sz="4395">
+                <a:solidFill>
+                  <a:srgbClr val="FFFFFF"/>
+                </a:solidFill>
+                <a:latin typeface="Almarai Bold"/>
+                <a:ea typeface="Almarai Bold"/>
+                <a:cs typeface="Almarai Bold"/>
+                <a:sym typeface="Almarai Bold"/>
+              </a:rPr>
+              <a:t>Phase de Développement</a:t>
+            </a:r>
+          </a:p>
+          <a:p>
+            <a:pPr algn="just" marL="948955" indent="-474478" lvl="1">
+              <a:lnSpc>
+                <a:spcPts val="6065"/>
+              </a:lnSpc>
+              <a:buFont typeface="Arial"/>
+              <a:buChar char="•"/>
+            </a:pPr>
+            <a:r>
+              <a:rPr lang="en-US" b="true" sz="4395">
+                <a:solidFill>
+                  <a:srgbClr val="FFFFFF"/>
+                </a:solidFill>
+                <a:latin typeface="Almarai Bold"/>
+                <a:ea typeface="Almarai Bold"/>
+                <a:cs typeface="Almarai Bold"/>
+                <a:sym typeface="Almarai Bold"/>
+              </a:rPr>
+              <a:t>Phase de Tests</a:t>
+            </a:r>
+          </a:p>
+          <a:p>
+            <a:pPr algn="just" marL="948955" indent="-474478" lvl="1">
+              <a:lnSpc>
+                <a:spcPts val="6065"/>
+              </a:lnSpc>
+              <a:buFont typeface="Arial"/>
+              <a:buChar char="•"/>
+            </a:pPr>
+            <a:r>
+              <a:rPr lang="en-US" b="true" sz="4395">
+                <a:solidFill>
+                  <a:srgbClr val="FFFFFF"/>
+                </a:solidFill>
+                <a:latin typeface="Almarai Bold"/>
+                <a:ea typeface="Almarai Bold"/>
+                <a:cs typeface="Almarai Bold"/>
+                <a:sym typeface="Almarai Bold"/>
+              </a:rPr>
+              <a:t>Phase de Lancement</a:t>
+            </a:r>
+          </a:p>
+          <a:p>
+            <a:pPr algn="just" marL="948955" indent="-474478" lvl="1">
+              <a:lnSpc>
+                <a:spcPts val="6065"/>
+              </a:lnSpc>
+              <a:buFont typeface="Arial"/>
+              <a:buChar char="•"/>
+            </a:pPr>
+            <a:r>
+              <a:rPr lang="en-US" b="true" sz="4395">
+                <a:solidFill>
+                  <a:srgbClr val="FFFFFF"/>
+                </a:solidFill>
+                <a:latin typeface="Almarai Bold"/>
+                <a:ea typeface="Almarai Bold"/>
+                <a:cs typeface="Almarai Bold"/>
+                <a:sym typeface="Almarai Bold"/>
+              </a:rPr>
+              <a:t>Phase de Maintenance</a:t>
+            </a:r>
+          </a:p>
+        </p:txBody>
+      </p:sp>
+      <p:sp>
+        <p:nvSpPr>
+          <p:cNvPr name="TextBox 12" id="12"/>
+          <p:cNvSpPr txBox="true"/>
+          <p:nvPr/>
+        </p:nvSpPr>
+        <p:spPr>
+          <a:xfrm rot="0">
+            <a:off x="17188557" y="9147429"/>
+            <a:ext cx="1099443" cy="1139571"/>
+          </a:xfrm>
+          <a:prstGeom prst="rect">
+            <a:avLst/>
+          </a:prstGeom>
+        </p:spPr>
+        <p:txBody>
+          <a:bodyPr anchor="t" rtlCol="false" tIns="0" lIns="0" bIns="0" rIns="0">
+            <a:spAutoFit/>
+          </a:bodyPr>
+          <a:lstStyle/>
+          <a:p>
+            <a:pPr algn="ctr">
+              <a:lnSpc>
+                <a:spcPts val="8831"/>
+              </a:lnSpc>
+              <a:spcBef>
+                <a:spcPct val="0"/>
+              </a:spcBef>
+            </a:pPr>
+            <a:r>
+              <a:rPr lang="en-US" b="true" sz="6399">
+                <a:solidFill>
+                  <a:srgbClr val="FFFFFF"/>
+                </a:solidFill>
+                <a:latin typeface="Poppins Bold"/>
+                <a:ea typeface="Poppins Bold"/>
+                <a:cs typeface="Poppins Bold"/>
+                <a:sym typeface="Poppins Bold"/>
+              </a:rPr>
+              <a:t>33</a:t>
+            </a:r>
+          </a:p>
+        </p:txBody>
+      </p:sp>
+    </p:spTree>
+  </p:cSld>
+  <p:clrMapOvr>
+    <a:masterClrMapping/>
+  </p:clrMapOvr>
+</p:sld>
+</file>
+
+<file path=ppt/slides/slide36.xml><?xml version="1.0" encoding="utf-8"?>
+<p:sld xmlns:p="http://schemas.openxmlformats.org/presentationml/2006/main" xmlns:a="http://schemas.openxmlformats.org/drawingml/2006/main" xmlns:r="http://schemas.openxmlformats.org/officeDocument/2006/relationships">
+  <p:cSld>
+    <p:bg>
+      <p:bgPr>
+        <a:solidFill>
+          <a:srgbClr val="1E1D39"/>
+        </a:solidFill>
+      </p:bgPr>
+    </p:bg>
+    <p:spTree>
+      <p:nvGrpSpPr>
+        <p:cNvPr id="1" name=""/>
+        <p:cNvGrpSpPr/>
+        <p:nvPr/>
+      </p:nvGrpSpPr>
+      <p:grpSpPr>
+        <a:xfrm>
+          <a:off x="0" y="0"/>
+          <a:ext cx="0" cy="0"/>
+          <a:chOff x="0" y="0"/>
+          <a:chExt cx="0" cy="0"/>
+        </a:xfrm>
+      </p:grpSpPr>
+      <p:sp>
+        <p:nvSpPr>
+          <p:cNvPr name="Freeform 2" id="2"/>
+          <p:cNvSpPr/>
+          <p:nvPr/>
+        </p:nvSpPr>
+        <p:spPr>
+          <a:xfrm flipH="false" flipV="false" rot="0">
+            <a:off x="559400" y="0"/>
+            <a:ext cx="16629157" cy="10287000"/>
+          </a:xfrm>
+          <a:custGeom>
+            <a:avLst/>
+            <a:gdLst/>
+            <a:ahLst/>
+            <a:cxnLst/>
+            <a:rect r="r" b="b" t="t" l="l"/>
+            <a:pathLst>
+              <a:path h="10287000" w="16629157">
+                <a:moveTo>
+                  <a:pt x="0" y="0"/>
+                </a:moveTo>
+                <a:lnTo>
+                  <a:pt x="16629157" y="0"/>
+                </a:lnTo>
+                <a:lnTo>
+                  <a:pt x="16629157" y="10287000"/>
+                </a:lnTo>
+                <a:lnTo>
+                  <a:pt x="0" y="10287000"/>
+                </a:lnTo>
+                <a:lnTo>
+                  <a:pt x="0" y="0"/>
+                </a:lnTo>
+                <a:close/>
+              </a:path>
+            </a:pathLst>
+          </a:custGeom>
+          <a:blipFill>
+            <a:blip r:embed="rId2"/>
+            <a:stretch>
+              <a:fillRect l="0" t="-453" r="0" b="-1791"/>
+            </a:stretch>
+          </a:blipFill>
+          <a:ln cap="sq">
+            <a:noFill/>
+            <a:prstDash val="solid"/>
+            <a:miter/>
+          </a:ln>
+        </p:spPr>
+      </p:sp>
+      <p:sp>
+        <p:nvSpPr>
+          <p:cNvPr name="TextBox 3" id="3"/>
+          <p:cNvSpPr txBox="true"/>
+          <p:nvPr/>
+        </p:nvSpPr>
+        <p:spPr>
+          <a:xfrm rot="0">
+            <a:off x="17188557" y="9147429"/>
+            <a:ext cx="1099443" cy="1139571"/>
+          </a:xfrm>
+          <a:prstGeom prst="rect">
+            <a:avLst/>
+          </a:prstGeom>
+        </p:spPr>
+        <p:txBody>
+          <a:bodyPr anchor="t" rtlCol="false" tIns="0" lIns="0" bIns="0" rIns="0">
+            <a:spAutoFit/>
+          </a:bodyPr>
+          <a:lstStyle/>
+          <a:p>
+            <a:pPr algn="ctr">
+              <a:lnSpc>
+                <a:spcPts val="8831"/>
+              </a:lnSpc>
+              <a:spcBef>
+                <a:spcPct val="0"/>
+              </a:spcBef>
+            </a:pPr>
+            <a:r>
+              <a:rPr lang="en-US" b="true" sz="6399">
+                <a:solidFill>
+                  <a:srgbClr val="FFFFFF"/>
+                </a:solidFill>
+                <a:latin typeface="Poppins Bold"/>
+                <a:ea typeface="Poppins Bold"/>
+                <a:cs typeface="Poppins Bold"/>
+                <a:sym typeface="Poppins Bold"/>
+              </a:rPr>
+              <a:t>34</a:t>
+            </a:r>
+          </a:p>
+        </p:txBody>
+      </p:sp>
+    </p:spTree>
+  </p:cSld>
+  <p:clrMapOvr>
+    <a:masterClrMapping/>
+  </p:clrMapOvr>
+</p:sld>
+</file>
+
+<file path=ppt/slides/slide37.xml><?xml version="1.0" encoding="utf-8"?>
+<p:sld xmlns:p="http://schemas.openxmlformats.org/presentationml/2006/main" xmlns:a="http://schemas.openxmlformats.org/drawingml/2006/main">
+  <p:cSld>
+    <p:bg>
+      <p:bgPr>
+        <a:solidFill>
+          <a:srgbClr val="1E1D39"/>
+        </a:solidFill>
+      </p:bgPr>
+    </p:bg>
+    <p:spTree>
+      <p:nvGrpSpPr>
+        <p:cNvPr id="1" name=""/>
+        <p:cNvGrpSpPr/>
+        <p:nvPr/>
+      </p:nvGrpSpPr>
+      <p:grpSpPr>
+        <a:xfrm>
+          <a:off x="0" y="0"/>
+          <a:ext cx="0" cy="0"/>
+          <a:chOff x="0" y="0"/>
+          <a:chExt cx="0" cy="0"/>
+        </a:xfrm>
+      </p:grpSpPr>
+      <p:grpSp>
+        <p:nvGrpSpPr>
+          <p:cNvPr name="Group 2" id="2"/>
+          <p:cNvGrpSpPr/>
+          <p:nvPr/>
+        </p:nvGrpSpPr>
+        <p:grpSpPr>
+          <a:xfrm rot="0">
             <a:off x="6282487" y="4171950"/>
             <a:ext cx="5723026" cy="1943100"/>
             <a:chOff x="0" y="0"/>
@@ -16610,7 +17272,7 @@
                   <a:cs typeface="Poppins Bold"/>
                   <a:sym typeface="Poppins Bold"/>
                 </a:rPr>
-                <a:t>08</a:t>
+                <a:t>09</a:t>
               </a:r>
             </a:p>
           </p:txBody>
@@ -16655,7 +17317,7 @@
                 <a:cs typeface="Poppins Bold"/>
                 <a:sym typeface="Poppins Bold"/>
               </a:rPr>
-              <a:t>33</a:t>
+              <a:t>35</a:t>
             </a:r>
           </a:p>
         </p:txBody>
@@ -16668,7 +17330,7 @@
 </p:sld>
 </file>
 
-<file path=ppt/slides/slide36.xml><?xml version="1.0" encoding="utf-8"?>
+<file path=ppt/slides/slide38.xml><?xml version="1.0" encoding="utf-8"?>
 <p:sld xmlns:p="http://schemas.openxmlformats.org/presentationml/2006/main" xmlns:a="http://schemas.openxmlformats.org/drawingml/2006/main" xmlns:r="http://schemas.openxmlformats.org/officeDocument/2006/relationships">
   <p:cSld>
     <p:bg>
@@ -16777,7 +17439,7 @@
                 <a:cs typeface="Poppins Bold"/>
                 <a:sym typeface="Poppins Bold"/>
               </a:rPr>
-              <a:t>34</a:t>
+              <a:t>36</a:t>
             </a:r>
           </a:p>
         </p:txBody>
@@ -16790,7 +17452,7 @@
 </p:sld>
 </file>
 
-<file path=ppt/slides/slide37.xml><?xml version="1.0" encoding="utf-8"?>
+<file path=ppt/slides/slide39.xml><?xml version="1.0" encoding="utf-8"?>
 <p:sld xmlns:p="http://schemas.openxmlformats.org/presentationml/2006/main" xmlns:a="http://schemas.openxmlformats.org/drawingml/2006/main" xmlns:r="http://schemas.openxmlformats.org/officeDocument/2006/relationships">
   <p:cSld>
     <p:bg>
@@ -16909,668 +17571,6 @@
       <p:sp>
         <p:nvSpPr>
           <p:cNvPr name="TextBox 4" id="4"/>
-          <p:cNvSpPr txBox="true"/>
-          <p:nvPr/>
-        </p:nvSpPr>
-        <p:spPr>
-          <a:xfrm rot="0">
-            <a:off x="17188557" y="9147429"/>
-            <a:ext cx="1099443" cy="1139571"/>
-          </a:xfrm>
-          <a:prstGeom prst="rect">
-            <a:avLst/>
-          </a:prstGeom>
-        </p:spPr>
-        <p:txBody>
-          <a:bodyPr anchor="t" rtlCol="false" tIns="0" lIns="0" bIns="0" rIns="0">
-            <a:spAutoFit/>
-          </a:bodyPr>
-          <a:lstStyle/>
-          <a:p>
-            <a:pPr algn="ctr">
-              <a:lnSpc>
-                <a:spcPts val="8831"/>
-              </a:lnSpc>
-              <a:spcBef>
-                <a:spcPct val="0"/>
-              </a:spcBef>
-            </a:pPr>
-            <a:r>
-              <a:rPr lang="en-US" b="true" sz="6399">
-                <a:solidFill>
-                  <a:srgbClr val="FFFFFF"/>
-                </a:solidFill>
-                <a:latin typeface="Poppins Bold"/>
-                <a:ea typeface="Poppins Bold"/>
-                <a:cs typeface="Poppins Bold"/>
-                <a:sym typeface="Poppins Bold"/>
-              </a:rPr>
-              <a:t>35</a:t>
-            </a:r>
-          </a:p>
-        </p:txBody>
-      </p:sp>
-    </p:spTree>
-  </p:cSld>
-  <p:clrMapOvr>
-    <a:masterClrMapping/>
-  </p:clrMapOvr>
-</p:sld>
-</file>
-
-<file path=ppt/slides/slide38.xml><?xml version="1.0" encoding="utf-8"?>
-<p:sld xmlns:p="http://schemas.openxmlformats.org/presentationml/2006/main" xmlns:a="http://schemas.openxmlformats.org/drawingml/2006/main">
-  <p:cSld>
-    <p:bg>
-      <p:bgPr>
-        <a:solidFill>
-          <a:srgbClr val="1E1D39"/>
-        </a:solidFill>
-      </p:bgPr>
-    </p:bg>
-    <p:spTree>
-      <p:nvGrpSpPr>
-        <p:cNvPr id="1" name=""/>
-        <p:cNvGrpSpPr/>
-        <p:nvPr/>
-      </p:nvGrpSpPr>
-      <p:grpSpPr>
-        <a:xfrm>
-          <a:off x="0" y="0"/>
-          <a:ext cx="0" cy="0"/>
-          <a:chOff x="0" y="0"/>
-          <a:chExt cx="0" cy="0"/>
-        </a:xfrm>
-      </p:grpSpPr>
-      <p:grpSp>
-        <p:nvGrpSpPr>
-          <p:cNvPr name="Group 2" id="2"/>
-          <p:cNvGrpSpPr/>
-          <p:nvPr/>
-        </p:nvGrpSpPr>
-        <p:grpSpPr>
-          <a:xfrm rot="0">
-            <a:off x="1028700" y="1028700"/>
-            <a:ext cx="7485151" cy="1943100"/>
-            <a:chOff x="0" y="0"/>
-            <a:chExt cx="9980201" cy="2590800"/>
-          </a:xfrm>
-        </p:grpSpPr>
-        <p:sp>
-          <p:nvSpPr>
-            <p:cNvPr name="TextBox 3" id="3"/>
-            <p:cNvSpPr txBox="true"/>
-            <p:nvPr/>
-          </p:nvSpPr>
-          <p:spPr>
-            <a:xfrm rot="0">
-              <a:off x="3224749" y="568325"/>
-              <a:ext cx="6755452" cy="1362075"/>
-            </a:xfrm>
-            <a:prstGeom prst="rect">
-              <a:avLst/>
-            </a:prstGeom>
-          </p:spPr>
-          <p:txBody>
-            <a:bodyPr anchor="t" rtlCol="false" tIns="0" lIns="0" bIns="0" rIns="0">
-              <a:spAutoFit/>
-            </a:bodyPr>
-            <a:lstStyle/>
-            <a:p>
-              <a:pPr algn="l" marL="0" indent="0" lvl="0">
-                <a:lnSpc>
-                  <a:spcPts val="7711"/>
-                </a:lnSpc>
-                <a:spcBef>
-                  <a:spcPct val="0"/>
-                </a:spcBef>
-              </a:pPr>
-              <a:r>
-                <a:rPr lang="en-US" b="true" sz="6426">
-                  <a:solidFill>
-                    <a:srgbClr val="E8C170"/>
-                  </a:solidFill>
-                  <a:latin typeface="Poppins Bold"/>
-                  <a:ea typeface="Poppins Bold"/>
-                  <a:cs typeface="Poppins Bold"/>
-                  <a:sym typeface="Poppins Bold"/>
-                </a:rPr>
-                <a:t>PLANNING</a:t>
-              </a:r>
-            </a:p>
-          </p:txBody>
-        </p:sp>
-        <p:grpSp>
-          <p:nvGrpSpPr>
-            <p:cNvPr name="Group 4" id="4"/>
-            <p:cNvGrpSpPr/>
-            <p:nvPr/>
-          </p:nvGrpSpPr>
-          <p:grpSpPr>
-            <a:xfrm rot="5400000">
-              <a:off x="1288181" y="1187632"/>
-              <a:ext cx="2590800" cy="215536"/>
-              <a:chOff x="0" y="0"/>
-              <a:chExt cx="511763" cy="42575"/>
-            </a:xfrm>
-          </p:grpSpPr>
-          <p:sp>
-            <p:nvSpPr>
-              <p:cNvPr name="Freeform 5" id="5"/>
-              <p:cNvSpPr/>
-              <p:nvPr/>
-            </p:nvSpPr>
-            <p:spPr>
-              <a:xfrm flipH="false" flipV="false" rot="0">
-                <a:off x="0" y="0"/>
-                <a:ext cx="511763" cy="42575"/>
-              </a:xfrm>
-              <a:custGeom>
-                <a:avLst/>
-                <a:gdLst/>
-                <a:ahLst/>
-                <a:cxnLst/>
-                <a:rect r="r" b="b" t="t" l="l"/>
-                <a:pathLst>
-                  <a:path h="42575" w="511763">
-                    <a:moveTo>
-                      <a:pt x="0" y="0"/>
-                    </a:moveTo>
-                    <a:lnTo>
-                      <a:pt x="511763" y="0"/>
-                    </a:lnTo>
-                    <a:lnTo>
-                      <a:pt x="511763" y="42575"/>
-                    </a:lnTo>
-                    <a:lnTo>
-                      <a:pt x="0" y="42575"/>
-                    </a:lnTo>
-                    <a:close/>
-                  </a:path>
-                </a:pathLst>
-              </a:custGeom>
-              <a:solidFill>
-                <a:srgbClr val="3C5E8B"/>
-              </a:solidFill>
-            </p:spPr>
-          </p:sp>
-          <p:sp>
-            <p:nvSpPr>
-              <p:cNvPr name="TextBox 6" id="6"/>
-              <p:cNvSpPr txBox="true"/>
-              <p:nvPr/>
-            </p:nvSpPr>
-            <p:spPr>
-              <a:xfrm>
-                <a:off x="0" y="-47625"/>
-                <a:ext cx="511763" cy="90200"/>
-              </a:xfrm>
-              <a:prstGeom prst="rect">
-                <a:avLst/>
-              </a:prstGeom>
-            </p:spPr>
-            <p:txBody>
-              <a:bodyPr anchor="ctr" rtlCol="false" tIns="50800" lIns="50800" bIns="50800" rIns="50800"/>
-              <a:lstStyle/>
-              <a:p>
-                <a:pPr algn="ctr">
-                  <a:lnSpc>
-                    <a:spcPts val="2605"/>
-                  </a:lnSpc>
-                </a:pPr>
-              </a:p>
-            </p:txBody>
-          </p:sp>
-        </p:grpSp>
-        <p:grpSp>
-          <p:nvGrpSpPr>
-            <p:cNvPr name="Group 7" id="7"/>
-            <p:cNvGrpSpPr/>
-            <p:nvPr/>
-          </p:nvGrpSpPr>
-          <p:grpSpPr>
-            <a:xfrm rot="5400000">
-              <a:off x="168126" y="405578"/>
-              <a:ext cx="1779644" cy="1779644"/>
-              <a:chOff x="0" y="0"/>
-              <a:chExt cx="812800" cy="812800"/>
-            </a:xfrm>
-          </p:grpSpPr>
-          <p:sp>
-            <p:nvSpPr>
-              <p:cNvPr name="Freeform 8" id="8"/>
-              <p:cNvSpPr/>
-              <p:nvPr/>
-            </p:nvSpPr>
-            <p:spPr>
-              <a:xfrm flipH="false" flipV="false" rot="0">
-                <a:off x="0" y="0"/>
-                <a:ext cx="812800" cy="812800"/>
-              </a:xfrm>
-              <a:custGeom>
-                <a:avLst/>
-                <a:gdLst/>
-                <a:ahLst/>
-                <a:cxnLst/>
-                <a:rect r="r" b="b" t="t" l="l"/>
-                <a:pathLst>
-                  <a:path h="812800" w="812800">
-                    <a:moveTo>
-                      <a:pt x="406400" y="0"/>
-                    </a:moveTo>
-                    <a:cubicBezTo>
-                      <a:pt x="181951" y="0"/>
-                      <a:pt x="0" y="181951"/>
-                      <a:pt x="0" y="406400"/>
-                    </a:cubicBezTo>
-                    <a:cubicBezTo>
-                      <a:pt x="0" y="630849"/>
-                      <a:pt x="181951" y="812800"/>
-                      <a:pt x="406400" y="812800"/>
-                    </a:cubicBezTo>
-                    <a:cubicBezTo>
-                      <a:pt x="630849" y="812800"/>
-                      <a:pt x="812800" y="630849"/>
-                      <a:pt x="812800" y="406400"/>
-                    </a:cubicBezTo>
-                    <a:cubicBezTo>
-                      <a:pt x="812800" y="181951"/>
-                      <a:pt x="630849" y="0"/>
-                      <a:pt x="406400" y="0"/>
-                    </a:cubicBezTo>
-                    <a:close/>
-                  </a:path>
-                </a:pathLst>
-              </a:custGeom>
-              <a:gradFill rotWithShape="true">
-                <a:gsLst>
-                  <a:gs pos="0">
-                    <a:srgbClr val="3C5E8B">
-                      <a:alpha val="100000"/>
-                    </a:srgbClr>
-                  </a:gs>
-                  <a:gs pos="100000">
-                    <a:srgbClr val="1E1D39">
-                      <a:alpha val="100000"/>
-                    </a:srgbClr>
-                  </a:gs>
-                </a:gsLst>
-                <a:lin ang="0"/>
-              </a:gradFill>
-              <a:ln w="12700" cap="sq">
-                <a:solidFill>
-                  <a:srgbClr val="000000"/>
-                </a:solidFill>
-                <a:prstDash val="solid"/>
-                <a:miter/>
-              </a:ln>
-            </p:spPr>
-          </p:sp>
-        </p:grpSp>
-        <p:sp>
-          <p:nvSpPr>
-            <p:cNvPr name="TextBox 9" id="9"/>
-            <p:cNvSpPr txBox="true"/>
-            <p:nvPr/>
-          </p:nvSpPr>
-          <p:spPr>
-            <a:xfrm rot="0">
-              <a:off x="0" y="599135"/>
-              <a:ext cx="2115896" cy="1245601"/>
-            </a:xfrm>
-            <a:prstGeom prst="rect">
-              <a:avLst/>
-            </a:prstGeom>
-          </p:spPr>
-          <p:txBody>
-            <a:bodyPr anchor="t" rtlCol="false" tIns="0" lIns="0" bIns="0" rIns="0">
-              <a:spAutoFit/>
-            </a:bodyPr>
-            <a:lstStyle/>
-            <a:p>
-              <a:pPr algn="ctr">
-                <a:lnSpc>
-                  <a:spcPts val="7429"/>
-                </a:lnSpc>
-              </a:pPr>
-              <a:r>
-                <a:rPr lang="en-US" sz="5383" b="true">
-                  <a:solidFill>
-                    <a:srgbClr val="E4E6E2"/>
-                  </a:solidFill>
-                  <a:latin typeface="Poppins Bold"/>
-                  <a:ea typeface="Poppins Bold"/>
-                  <a:cs typeface="Poppins Bold"/>
-                  <a:sym typeface="Poppins Bold"/>
-                </a:rPr>
-                <a:t>09</a:t>
-              </a:r>
-            </a:p>
-          </p:txBody>
-        </p:sp>
-      </p:grpSp>
-      <p:sp>
-        <p:nvSpPr>
-          <p:cNvPr name="TextBox 10" id="10"/>
-          <p:cNvSpPr txBox="true"/>
-          <p:nvPr/>
-        </p:nvSpPr>
-        <p:spPr>
-          <a:xfrm rot="0">
-            <a:off x="2819419" y="3606800"/>
-            <a:ext cx="6875711" cy="1123177"/>
-          </a:xfrm>
-          <a:prstGeom prst="rect">
-            <a:avLst/>
-          </a:prstGeom>
-        </p:spPr>
-        <p:txBody>
-          <a:bodyPr anchor="t" rtlCol="false" tIns="0" lIns="0" bIns="0" rIns="0">
-            <a:spAutoFit/>
-          </a:bodyPr>
-          <a:lstStyle/>
-          <a:p>
-            <a:pPr algn="ctr">
-              <a:lnSpc>
-                <a:spcPts val="8671"/>
-              </a:lnSpc>
-              <a:spcBef>
-                <a:spcPct val="0"/>
-              </a:spcBef>
-            </a:pPr>
-            <a:r>
-              <a:rPr lang="en-US" b="true" sz="6283">
-                <a:solidFill>
-                  <a:srgbClr val="FFFFFF"/>
-                </a:solidFill>
-                <a:latin typeface="Poppins Bold"/>
-                <a:ea typeface="Poppins Bold"/>
-                <a:cs typeface="Poppins Bold"/>
-                <a:sym typeface="Poppins Bold"/>
-              </a:rPr>
-              <a:t>Six phases clefs :</a:t>
-            </a:r>
-          </a:p>
-        </p:txBody>
-      </p:sp>
-      <p:sp>
-        <p:nvSpPr>
-          <p:cNvPr name="TextBox 11" id="11"/>
-          <p:cNvSpPr txBox="true"/>
-          <p:nvPr/>
-        </p:nvSpPr>
-        <p:spPr>
-          <a:xfrm rot="0">
-            <a:off x="9695129" y="4631769"/>
-            <a:ext cx="7564171" cy="4626531"/>
-          </a:xfrm>
-          <a:prstGeom prst="rect">
-            <a:avLst/>
-          </a:prstGeom>
-        </p:spPr>
-        <p:txBody>
-          <a:bodyPr anchor="t" rtlCol="false" tIns="0" lIns="0" bIns="0" rIns="0">
-            <a:spAutoFit/>
-          </a:bodyPr>
-          <a:lstStyle/>
-          <a:p>
-            <a:pPr algn="just" marL="948955" indent="-474478" lvl="1">
-              <a:lnSpc>
-                <a:spcPts val="6065"/>
-              </a:lnSpc>
-              <a:buFont typeface="Arial"/>
-              <a:buChar char="•"/>
-            </a:pPr>
-            <a:r>
-              <a:rPr lang="en-US" b="true" sz="4395">
-                <a:solidFill>
-                  <a:srgbClr val="FFFFFF"/>
-                </a:solidFill>
-                <a:latin typeface="Almarai Bold"/>
-                <a:ea typeface="Almarai Bold"/>
-                <a:cs typeface="Almarai Bold"/>
-                <a:sym typeface="Almarai Bold"/>
-              </a:rPr>
-              <a:t>Phase de Préparation</a:t>
-            </a:r>
-          </a:p>
-          <a:p>
-            <a:pPr algn="just" marL="948955" indent="-474478" lvl="1">
-              <a:lnSpc>
-                <a:spcPts val="6065"/>
-              </a:lnSpc>
-              <a:buFont typeface="Arial"/>
-              <a:buChar char="•"/>
-            </a:pPr>
-            <a:r>
-              <a:rPr lang="en-US" b="true" sz="4395">
-                <a:solidFill>
-                  <a:srgbClr val="FFFFFF"/>
-                </a:solidFill>
-                <a:latin typeface="Almarai Bold"/>
-                <a:ea typeface="Almarai Bold"/>
-                <a:cs typeface="Almarai Bold"/>
-                <a:sym typeface="Almarai Bold"/>
-              </a:rPr>
-              <a:t>Phase de Design</a:t>
-            </a:r>
-          </a:p>
-          <a:p>
-            <a:pPr algn="just" marL="948955" indent="-474478" lvl="1">
-              <a:lnSpc>
-                <a:spcPts val="6065"/>
-              </a:lnSpc>
-              <a:buFont typeface="Arial"/>
-              <a:buChar char="•"/>
-            </a:pPr>
-            <a:r>
-              <a:rPr lang="en-US" b="true" sz="4395">
-                <a:solidFill>
-                  <a:srgbClr val="FFFFFF"/>
-                </a:solidFill>
-                <a:latin typeface="Almarai Bold"/>
-                <a:ea typeface="Almarai Bold"/>
-                <a:cs typeface="Almarai Bold"/>
-                <a:sym typeface="Almarai Bold"/>
-              </a:rPr>
-              <a:t>Phase de Développement</a:t>
-            </a:r>
-          </a:p>
-          <a:p>
-            <a:pPr algn="just" marL="948955" indent="-474478" lvl="1">
-              <a:lnSpc>
-                <a:spcPts val="6065"/>
-              </a:lnSpc>
-              <a:buFont typeface="Arial"/>
-              <a:buChar char="•"/>
-            </a:pPr>
-            <a:r>
-              <a:rPr lang="en-US" b="true" sz="4395">
-                <a:solidFill>
-                  <a:srgbClr val="FFFFFF"/>
-                </a:solidFill>
-                <a:latin typeface="Almarai Bold"/>
-                <a:ea typeface="Almarai Bold"/>
-                <a:cs typeface="Almarai Bold"/>
-                <a:sym typeface="Almarai Bold"/>
-              </a:rPr>
-              <a:t>Phase de Tests</a:t>
-            </a:r>
-          </a:p>
-          <a:p>
-            <a:pPr algn="just" marL="948955" indent="-474478" lvl="1">
-              <a:lnSpc>
-                <a:spcPts val="6065"/>
-              </a:lnSpc>
-              <a:buFont typeface="Arial"/>
-              <a:buChar char="•"/>
-            </a:pPr>
-            <a:r>
-              <a:rPr lang="en-US" b="true" sz="4395">
-                <a:solidFill>
-                  <a:srgbClr val="FFFFFF"/>
-                </a:solidFill>
-                <a:latin typeface="Almarai Bold"/>
-                <a:ea typeface="Almarai Bold"/>
-                <a:cs typeface="Almarai Bold"/>
-                <a:sym typeface="Almarai Bold"/>
-              </a:rPr>
-              <a:t>Phase de Lancement</a:t>
-            </a:r>
-          </a:p>
-          <a:p>
-            <a:pPr algn="just" marL="948955" indent="-474478" lvl="1">
-              <a:lnSpc>
-                <a:spcPts val="6065"/>
-              </a:lnSpc>
-              <a:buFont typeface="Arial"/>
-              <a:buChar char="•"/>
-            </a:pPr>
-            <a:r>
-              <a:rPr lang="en-US" b="true" sz="4395">
-                <a:solidFill>
-                  <a:srgbClr val="FFFFFF"/>
-                </a:solidFill>
-                <a:latin typeface="Almarai Bold"/>
-                <a:ea typeface="Almarai Bold"/>
-                <a:cs typeface="Almarai Bold"/>
-                <a:sym typeface="Almarai Bold"/>
-              </a:rPr>
-              <a:t>Phase de Maintenance</a:t>
-            </a:r>
-          </a:p>
-        </p:txBody>
-      </p:sp>
-      <p:sp>
-        <p:nvSpPr>
-          <p:cNvPr name="TextBox 12" id="12"/>
-          <p:cNvSpPr txBox="true"/>
-          <p:nvPr/>
-        </p:nvSpPr>
-        <p:spPr>
-          <a:xfrm rot="0">
-            <a:off x="17188557" y="9147429"/>
-            <a:ext cx="1099443" cy="1139571"/>
-          </a:xfrm>
-          <a:prstGeom prst="rect">
-            <a:avLst/>
-          </a:prstGeom>
-        </p:spPr>
-        <p:txBody>
-          <a:bodyPr anchor="t" rtlCol="false" tIns="0" lIns="0" bIns="0" rIns="0">
-            <a:spAutoFit/>
-          </a:bodyPr>
-          <a:lstStyle/>
-          <a:p>
-            <a:pPr algn="ctr">
-              <a:lnSpc>
-                <a:spcPts val="8831"/>
-              </a:lnSpc>
-              <a:spcBef>
-                <a:spcPct val="0"/>
-              </a:spcBef>
-            </a:pPr>
-            <a:r>
-              <a:rPr lang="en-US" b="true" sz="6399">
-                <a:solidFill>
-                  <a:srgbClr val="FFFFFF"/>
-                </a:solidFill>
-                <a:latin typeface="Poppins Bold"/>
-                <a:ea typeface="Poppins Bold"/>
-                <a:cs typeface="Poppins Bold"/>
-                <a:sym typeface="Poppins Bold"/>
-              </a:rPr>
-              <a:t>36</a:t>
-            </a:r>
-          </a:p>
-        </p:txBody>
-      </p:sp>
-    </p:spTree>
-  </p:cSld>
-  <p:clrMapOvr>
-    <a:masterClrMapping/>
-  </p:clrMapOvr>
-</p:sld>
-</file>
-
-<file path=ppt/slides/slide39.xml><?xml version="1.0" encoding="utf-8"?>
-<p:sld xmlns:p="http://schemas.openxmlformats.org/presentationml/2006/main" xmlns:a="http://schemas.openxmlformats.org/drawingml/2006/main" xmlns:r="http://schemas.openxmlformats.org/officeDocument/2006/relationships">
-  <p:cSld>
-    <p:bg>
-      <p:bgPr>
-        <a:solidFill>
-          <a:srgbClr val="1E1D39"/>
-        </a:solidFill>
-      </p:bgPr>
-    </p:bg>
-    <p:spTree>
-      <p:nvGrpSpPr>
-        <p:cNvPr id="1" name=""/>
-        <p:cNvGrpSpPr/>
-        <p:nvPr/>
-      </p:nvGrpSpPr>
-      <p:grpSpPr>
-        <a:xfrm>
-          <a:off x="0" y="0"/>
-          <a:ext cx="0" cy="0"/>
-          <a:chOff x="0" y="0"/>
-          <a:chExt cx="0" cy="0"/>
-        </a:xfrm>
-      </p:grpSpPr>
-      <p:sp>
-        <p:nvSpPr>
-          <p:cNvPr name="Freeform 2" id="2"/>
-          <p:cNvSpPr/>
-          <p:nvPr/>
-        </p:nvSpPr>
-        <p:spPr>
-          <a:xfrm flipH="false" flipV="false" rot="0">
-            <a:off x="559400" y="0"/>
-            <a:ext cx="16629157" cy="10287000"/>
-          </a:xfrm>
-          <a:custGeom>
-            <a:avLst/>
-            <a:gdLst/>
-            <a:ahLst/>
-            <a:cxnLst/>
-            <a:rect r="r" b="b" t="t" l="l"/>
-            <a:pathLst>
-              <a:path h="10287000" w="16629157">
-                <a:moveTo>
-                  <a:pt x="0" y="0"/>
-                </a:moveTo>
-                <a:lnTo>
-                  <a:pt x="16629157" y="0"/>
-                </a:lnTo>
-                <a:lnTo>
-                  <a:pt x="16629157" y="10287000"/>
-                </a:lnTo>
-                <a:lnTo>
-                  <a:pt x="0" y="10287000"/>
-                </a:lnTo>
-                <a:lnTo>
-                  <a:pt x="0" y="0"/>
-                </a:lnTo>
-                <a:close/>
-              </a:path>
-            </a:pathLst>
-          </a:custGeom>
-          <a:blipFill>
-            <a:blip r:embed="rId2"/>
-            <a:stretch>
-              <a:fillRect l="0" t="-453" r="0" b="-1791"/>
-            </a:stretch>
-          </a:blipFill>
-          <a:ln cap="sq">
-            <a:noFill/>
-            <a:prstDash val="solid"/>
-            <a:miter/>
-          </a:ln>
-        </p:spPr>
-      </p:sp>
-      <p:sp>
-        <p:nvSpPr>
-          <p:cNvPr name="TextBox 3" id="3"/>
           <p:cNvSpPr txBox="true"/>
           <p:nvPr/>
         </p:nvSpPr>
